--- a/docs/ucl-slides-2025.pptx
+++ b/docs/ucl-slides-2025.pptx
@@ -137,7 +137,7 @@
 <file path=ppt/revisionInfo.xml><?xml version="1.0" encoding="utf-8"?>
 <p1510:revInfo xmlns:a="http://schemas.openxmlformats.org/drawingml/2006/main" xmlns:r="http://schemas.openxmlformats.org/officeDocument/2006/relationships" xmlns:p1510="http://schemas.microsoft.com/office/powerpoint/2015/10/main">
   <p1510:revLst>
-    <p1510:client id="{7471B9EB-505A-4AA7-91B8-1B7AE240529F}" v="6" dt="2025-03-24T12:05:17.795"/>
+    <p1510:client id="{A490348E-889E-448F-B570-380546536203}" v="167" dt="2025-03-26T16:04:28.879"/>
   </p1510:revLst>
 </p1510:revInfo>
 </file>
@@ -22759,7 +22759,13 @@
         <p:nvGraphicFramePr>
           <p:cNvPr id="265" name="Table 1"/>
           <p:cNvGraphicFramePr/>
-          <p:nvPr/>
+          <p:nvPr>
+            <p:extLst>
+              <p:ext uri="{D42A27DB-BD31-4B8C-83A1-F6EECF244321}">
+                <p14:modId xmlns:p14="http://schemas.microsoft.com/office/powerpoint/2010/main" val="261538707"/>
+              </p:ext>
+            </p:extLst>
+          </p:nvPr>
         </p:nvGraphicFramePr>
         <p:xfrm>
           <a:off x="3584520" y="1606680"/>
@@ -22797,7 +22803,7 @@
                         </a:lnSpc>
                       </a:pPr>
                       <a:r>
-                        <a:rPr lang="en-GB" sz="1800" b="0" strike="noStrike" spc="-1">
+                        <a:rPr lang="en-GB" sz="1800" b="0" strike="noStrike" spc="-1" dirty="0">
                           <a:solidFill>
                             <a:srgbClr val="000000"/>
                           </a:solidFill>
@@ -22838,19 +22844,20 @@
                     <a:bodyPr/>
                     <a:lstStyle/>
                     <a:p>
-                      <a:pPr>
+                      <a:pPr lvl="0">
                         <a:lnSpc>
                           <a:spcPct val="100000"/>
                         </a:lnSpc>
+                        <a:buNone/>
                       </a:pPr>
                       <a:r>
-                        <a:rPr lang="en-GB" sz="1800" b="0" strike="noStrike" spc="-1">
+                        <a:rPr lang="en-GB" sz="1800" b="0" strike="noStrike" spc="-1" dirty="0">
                           <a:solidFill>
                             <a:srgbClr val="000000"/>
                           </a:solidFill>
                           <a:latin typeface="Arial"/>
                         </a:rPr>
-                        <a:t>Welcome and Introduction</a:t>
+                        <a:t>Registration and Welcome</a:t>
                       </a:r>
                     </a:p>
                   </a:txBody>
@@ -22898,13 +22905,13 @@
                         </a:lnSpc>
                       </a:pPr>
                       <a:r>
-                        <a:rPr lang="en-GB" sz="1800" b="0" strike="noStrike" spc="-1">
+                        <a:rPr lang="en-GB" sz="1800" b="0" strike="noStrike" spc="-1" dirty="0">
                           <a:solidFill>
                             <a:srgbClr val="000000"/>
                           </a:solidFill>
                           <a:latin typeface="Arial"/>
                         </a:rPr>
-                        <a:t>09.45 – 10.00</a:t>
+                        <a:t>09.30 – 10.00</a:t>
                       </a:r>
                     </a:p>
                   </a:txBody>
@@ -22939,19 +22946,20 @@
                     <a:bodyPr/>
                     <a:lstStyle/>
                     <a:p>
-                      <a:pPr>
+                      <a:pPr lvl="0">
                         <a:lnSpc>
                           <a:spcPct val="100000"/>
                         </a:lnSpc>
+                        <a:buNone/>
                       </a:pPr>
                       <a:r>
-                        <a:rPr lang="en-GB" sz="1800" b="0" strike="noStrike" spc="-1">
+                        <a:rPr lang="en-GB" sz="1800" b="0" strike="noStrike" spc="-1" dirty="0">
                           <a:solidFill>
                             <a:srgbClr val="000000"/>
                           </a:solidFill>
                           <a:latin typeface="Arial"/>
                         </a:rPr>
-                        <a:t>Getting started</a:t>
+                        <a:t>Introduction and getting started</a:t>
                       </a:r>
                     </a:p>
                   </a:txBody>
@@ -22999,7 +23007,7 @@
                         </a:lnSpc>
                       </a:pPr>
                       <a:r>
-                        <a:rPr lang="en-GB" sz="1800" b="0" strike="noStrike" spc="-1">
+                        <a:rPr lang="en-GB" sz="1800" b="0" strike="noStrike" spc="-1" dirty="0">
                           <a:solidFill>
                             <a:srgbClr val="000000"/>
                           </a:solidFill>
@@ -23046,13 +23054,13 @@
                         </a:lnSpc>
                       </a:pPr>
                       <a:r>
-                        <a:rPr lang="en-GB" sz="1800" b="0" strike="noStrike" spc="-1">
+                        <a:rPr lang="en-GB" sz="1800" b="0" strike="noStrike" spc="-1" dirty="0">
                           <a:solidFill>
                             <a:srgbClr val="000000"/>
                           </a:solidFill>
                           <a:latin typeface="Arial"/>
                         </a:rPr>
-                        <a:t>Lecture and Q&amp;A</a:t>
+                        <a:t>Lecture and Q&amp;A session</a:t>
                       </a:r>
                     </a:p>
                   </a:txBody>
@@ -23100,13 +23108,13 @@
                         </a:lnSpc>
                       </a:pPr>
                       <a:r>
-                        <a:rPr lang="en-GB" sz="1800" b="0" strike="noStrike" spc="-1">
+                        <a:rPr lang="en-GB" sz="1800" b="0" strike="noStrike" spc="-1" dirty="0">
                           <a:solidFill>
                             <a:srgbClr val="000000"/>
                           </a:solidFill>
                           <a:latin typeface="Arial"/>
                         </a:rPr>
-                        <a:t>10.30 – 12.30</a:t>
+                        <a:t>10.30 – 13.00</a:t>
                       </a:r>
                     </a:p>
                   </a:txBody>
@@ -23147,13 +23155,13 @@
                         </a:lnSpc>
                       </a:pPr>
                       <a:r>
-                        <a:rPr lang="en-GB" sz="1800" b="0" strike="noStrike" spc="-1">
+                        <a:rPr lang="en-GB" sz="1800" b="0" strike="noStrike" spc="-1" dirty="0">
                           <a:solidFill>
                             <a:srgbClr val="000000"/>
                           </a:solidFill>
                           <a:latin typeface="Arial"/>
                         </a:rPr>
-                        <a:t>Hands-on exercises</a:t>
+                        <a:t>Hands-on exercises (with break)</a:t>
                       </a:r>
                     </a:p>
                   </a:txBody>
@@ -23201,13 +23209,13 @@
                         </a:lnSpc>
                       </a:pPr>
                       <a:r>
-                        <a:rPr lang="en-GB" sz="1800" b="0" strike="noStrike" spc="-1">
+                        <a:rPr lang="en-GB" sz="1800" b="0" strike="noStrike" spc="-1" dirty="0">
                           <a:solidFill>
                             <a:srgbClr val="000000"/>
                           </a:solidFill>
                           <a:latin typeface="Arial"/>
                         </a:rPr>
-                        <a:t>12.30 – 13.30</a:t>
+                        <a:t>13.00 – 14.00</a:t>
                       </a:r>
                     </a:p>
                   </a:txBody>
@@ -23248,7 +23256,7 @@
                         </a:lnSpc>
                       </a:pPr>
                       <a:r>
-                        <a:rPr lang="en-GB" sz="1800" b="0" strike="noStrike" spc="-1">
+                        <a:rPr lang="en-GB" sz="1800" b="0" strike="noStrike" spc="-1" dirty="0">
                           <a:solidFill>
                             <a:srgbClr val="000000"/>
                           </a:solidFill>
@@ -23302,13 +23310,13 @@
                         </a:lnSpc>
                       </a:pPr>
                       <a:r>
-                        <a:rPr lang="en-GB" sz="1800" b="0" strike="noStrike" spc="-1">
+                        <a:rPr lang="en-GB" sz="1800" b="0" strike="noStrike" spc="-1" dirty="0">
                           <a:solidFill>
                             <a:srgbClr val="000000"/>
                           </a:solidFill>
                           <a:latin typeface="Arial"/>
                         </a:rPr>
-                        <a:t>13.30 – 14.30</a:t>
+                        <a:t>14.00 – 14.45</a:t>
                       </a:r>
                     </a:p>
                   </a:txBody>
@@ -23349,13 +23357,13 @@
                         </a:lnSpc>
                       </a:pPr>
                       <a:r>
-                        <a:rPr lang="en-GB" sz="1800" b="0" strike="noStrike" spc="-1">
+                        <a:rPr lang="en-GB" sz="1800" b="0" strike="noStrike" spc="-1" dirty="0">
                           <a:solidFill>
                             <a:srgbClr val="000000"/>
                           </a:solidFill>
                           <a:latin typeface="Arial"/>
                         </a:rPr>
-                        <a:t>Hands-on exercises</a:t>
+                        <a:t>Hands-on exercises (continued)</a:t>
                       </a:r>
                     </a:p>
                   </a:txBody>
@@ -23403,13 +23411,13 @@
                         </a:lnSpc>
                       </a:pPr>
                       <a:r>
-                        <a:rPr lang="en-GB" sz="1800" b="0" strike="noStrike" spc="-1">
+                        <a:rPr lang="en-GB" sz="1800" b="0" strike="noStrike" spc="-1" dirty="0">
                           <a:solidFill>
                             <a:srgbClr val="000000"/>
                           </a:solidFill>
                           <a:latin typeface="Arial"/>
                         </a:rPr>
-                        <a:t>14.30 – 15.00</a:t>
+                        <a:t>14450 – 15.00</a:t>
                       </a:r>
                     </a:p>
                   </a:txBody>
@@ -23450,7 +23458,7 @@
                         </a:lnSpc>
                       </a:pPr>
                       <a:r>
-                        <a:rPr lang="en-GB" sz="1800" b="0" strike="noStrike" spc="-1">
+                        <a:rPr lang="en-GB" sz="1800" b="0" strike="noStrike" spc="-1" dirty="0">
                           <a:solidFill>
                             <a:srgbClr val="000000"/>
                           </a:solidFill>
@@ -23504,7 +23512,7 @@
                         </a:lnSpc>
                       </a:pPr>
                       <a:r>
-                        <a:rPr lang="en-GB" sz="1800" b="0" strike="noStrike" spc="-1">
+                        <a:rPr lang="en-GB" sz="1800" b="0" strike="noStrike" spc="-1" dirty="0">
                           <a:solidFill>
                             <a:srgbClr val="000000"/>
                           </a:solidFill>
@@ -23551,14 +23559,28 @@
                         </a:lnSpc>
                       </a:pPr>
                       <a:r>
-                        <a:rPr lang="en-GB" sz="1800" b="0" strike="noStrike" spc="-1">
+                        <a:rPr lang="en-GB" sz="1800" b="0" strike="noStrike" spc="-1" dirty="0">
                           <a:solidFill>
                             <a:srgbClr val="000000"/>
                           </a:solidFill>
                           <a:latin typeface="Arial"/>
                         </a:rPr>
-                        <a:t>Video conference with CERN and other students</a:t>
+                        <a:t>Video conference with CERN and </a:t>
                       </a:r>
+                      <a:r>
+                        <a:rPr lang="en-GB" sz="1800" b="0" i="0" u="none" strike="noStrike" spc="-1" noProof="0" dirty="0">
+                          <a:solidFill>
+                            <a:srgbClr val="000000"/>
+                          </a:solidFill>
+                        </a:rPr>
+                        <a:t>masterclass students in other countries</a:t>
+                      </a:r>
+                      <a:endParaRPr lang="en-GB" sz="1800" b="0" strike="noStrike" spc="-1" dirty="0">
+                        <a:solidFill>
+                          <a:srgbClr val="000000"/>
+                        </a:solidFill>
+                        <a:latin typeface="Arial"/>
+                      </a:endParaRPr>
                     </a:p>
                   </a:txBody>
                   <a:tcPr marL="90000" marR="90000">
@@ -23605,7 +23627,7 @@
                         </a:lnSpc>
                       </a:pPr>
                       <a:r>
-                        <a:rPr lang="en-GB" sz="1800" b="0" strike="noStrike" spc="-1">
+                        <a:rPr lang="en-GB" sz="1800" b="0" strike="noStrike" spc="-1" dirty="0">
                           <a:solidFill>
                             <a:srgbClr val="000000"/>
                           </a:solidFill>
@@ -23652,7 +23674,7 @@
                         </a:lnSpc>
                       </a:pPr>
                       <a:r>
-                        <a:rPr lang="en-GB" sz="1800" b="0" strike="noStrike" spc="-1">
+                        <a:rPr lang="en-GB" sz="1800" b="0" strike="noStrike" spc="-1" dirty="0">
                           <a:solidFill>
                             <a:srgbClr val="000000"/>
                           </a:solidFill>
